--- a/ToegepasteAnalogeElektronica/PowerPoint/SmithKaartOefening8.pptx
+++ b/ToegepasteAnalogeElektronica/PowerPoint/SmithKaartOefening8.pptx
@@ -681,7 +681,7 @@
           <a:p>
             <a:fld id="{8F591CCF-F6FD-734B-854A-5BC033593B1E}" type="datetimeFigureOut">
               <a:rPr lang="nl-NL" smtClean="0"/>
-              <a:t>20-9-2025</a:t>
+              <a:t>21-9-2025</a:t>
             </a:fld>
             <a:endParaRPr lang="nl-NL"/>
           </a:p>
@@ -846,7 +846,7 @@
           <a:p>
             <a:fld id="{23C66214-DB21-4647-B5DA-0D17CA592867}" type="datetimeFigureOut">
               <a:rPr lang="nl-NL" smtClean="0"/>
-              <a:t>20-9-2025</a:t>
+              <a:t>21-9-2025</a:t>
             </a:fld>
             <a:endParaRPr lang="nl-NL"/>
           </a:p>
@@ -1457,7 +1457,7 @@
           <a:p>
             <a:fld id="{D15822B7-9EF6-9542-AF10-CD505E021A84}" type="datetime1">
               <a:rPr lang="nl-BE" smtClean="0"/>
-              <a:t>20/09/2025</a:t>
+              <a:t>21/09/2025</a:t>
             </a:fld>
             <a:endParaRPr lang="nl-NL"/>
           </a:p>
@@ -1707,7 +1707,7 @@
           <a:p>
             <a:fld id="{D15822B7-9EF6-9542-AF10-CD505E021A84}" type="datetime1">
               <a:rPr lang="nl-BE" smtClean="0"/>
-              <a:t>20/09/2025</a:t>
+              <a:t>21/09/2025</a:t>
             </a:fld>
             <a:endParaRPr lang="nl-NL"/>
           </a:p>
@@ -1990,7 +1990,7 @@
           <a:p>
             <a:fld id="{F52CA13D-CC20-034F-8D4D-5C3038626ED9}" type="datetime1">
               <a:rPr lang="nl-BE" smtClean="0"/>
-              <a:t>20/09/2025</a:t>
+              <a:t>21/09/2025</a:t>
             </a:fld>
             <a:endParaRPr lang="nl-NL"/>
           </a:p>
@@ -2270,8 +2270,8 @@
         </p:nvSpPr>
         <p:spPr>
           <a:xfrm>
-            <a:off x="576000" y="2232000"/>
-            <a:ext cx="11006400" cy="3820646"/>
+            <a:off x="576000" y="800401"/>
+            <a:ext cx="11006400" cy="5252245"/>
           </a:xfrm>
         </p:spPr>
         <p:txBody>
@@ -2342,7 +2342,7 @@
           <a:p>
             <a:fld id="{F52CA13D-CC20-034F-8D4D-5C3038626ED9}" type="datetime1">
               <a:rPr lang="nl-BE" smtClean="0"/>
-              <a:t>20/09/2025</a:t>
+              <a:t>21/09/2025</a:t>
             </a:fld>
             <a:endParaRPr lang="nl-NL"/>
           </a:p>
@@ -2460,7 +2460,7 @@
         </p:nvSpPr>
         <p:spPr>
           <a:xfrm>
-            <a:off x="576000" y="576001"/>
+            <a:off x="576000" y="4501"/>
             <a:ext cx="11041200" cy="648000"/>
           </a:xfrm>
         </p:spPr>
@@ -2520,8 +2520,8 @@
         </p:nvGrpSpPr>
         <p:grpSpPr>
           <a:xfrm>
-            <a:off x="125506" y="1312858"/>
-            <a:ext cx="11821095" cy="4739788"/>
+            <a:off x="125506" y="731855"/>
+            <a:ext cx="11821095" cy="5320791"/>
             <a:chOff x="0" y="-241102"/>
             <a:chExt cx="23088432" cy="12605757"/>
           </a:xfrm>
@@ -3466,8 +3466,8 @@
         </p:nvSpPr>
         <p:spPr>
           <a:xfrm>
-            <a:off x="245399" y="1810310"/>
-            <a:ext cx="11605942" cy="4175637"/>
+            <a:off x="245399" y="1280788"/>
+            <a:ext cx="11605942" cy="4705159"/>
           </a:xfrm>
           <a:noFill/>
         </p:spPr>
@@ -3575,7 +3575,7 @@
           <a:p>
             <a:fld id="{F52CA13D-CC20-034F-8D4D-5C3038626ED9}" type="datetime1">
               <a:rPr lang="nl-BE" smtClean="0"/>
-              <a:t>20/09/2025</a:t>
+              <a:t>21/09/2025</a:t>
             </a:fld>
             <a:endParaRPr lang="nl-NL"/>
           </a:p>
@@ -3693,7 +3693,7 @@
         </p:nvSpPr>
         <p:spPr>
           <a:xfrm>
-            <a:off x="576000" y="576000"/>
+            <a:off x="576000" y="4500"/>
             <a:ext cx="11041200" cy="579455"/>
           </a:xfrm>
         </p:spPr>
@@ -3796,7 +3796,7 @@
           <a:p>
             <a:fld id="{F52CA13D-CC20-034F-8D4D-5C3038626ED9}" type="datetime1">
               <a:rPr lang="nl-BE" smtClean="0"/>
-              <a:t>20/09/2025</a:t>
+              <a:t>21/09/2025</a:t>
             </a:fld>
             <a:endParaRPr lang="nl-NL"/>
           </a:p>
@@ -3914,7 +3914,7 @@
         </p:nvSpPr>
         <p:spPr>
           <a:xfrm>
-            <a:off x="576000" y="576001"/>
+            <a:off x="576000" y="4501"/>
             <a:ext cx="11041200" cy="648000"/>
           </a:xfrm>
         </p:spPr>
@@ -4007,8 +4007,8 @@
         </p:nvSpPr>
         <p:spPr>
           <a:xfrm>
-            <a:off x="576000" y="1688400"/>
-            <a:ext cx="11006400" cy="4364246"/>
+            <a:off x="576000" y="811831"/>
+            <a:ext cx="11006400" cy="5240815"/>
           </a:xfrm>
         </p:spPr>
         <p:txBody>
@@ -4087,7 +4087,7 @@
           <a:p>
             <a:fld id="{F52CA13D-CC20-034F-8D4D-5C3038626ED9}" type="datetime1">
               <a:rPr lang="nl-BE" smtClean="0"/>
-              <a:t>20/09/2025</a:t>
+              <a:t>21/09/2025</a:t>
             </a:fld>
             <a:endParaRPr lang="nl-NL"/>
           </a:p>
@@ -4205,7 +4205,7 @@
         </p:nvSpPr>
         <p:spPr>
           <a:xfrm>
-            <a:off x="576000" y="576000"/>
+            <a:off x="576000" y="15930"/>
             <a:ext cx="11041200" cy="648001"/>
           </a:xfrm>
         </p:spPr>
@@ -4214,10 +4214,10 @@
           <a:lstStyle/>
           <a:p>
             <a:r>
-              <a:rPr lang="en-US"/>
+              <a:rPr lang="en-US" dirty="0"/>
               <a:t>Click to edit Master title style</a:t>
             </a:r>
-            <a:endParaRPr lang="en-GB"/>
+            <a:endParaRPr lang="en-GB" dirty="0"/>
           </a:p>
         </p:txBody>
       </p:sp>
@@ -4269,8 +4269,8 @@
         </p:nvSpPr>
         <p:spPr>
           <a:xfrm>
-            <a:off x="576000" y="1531620"/>
-            <a:ext cx="11006400" cy="4521026"/>
+            <a:off x="576000" y="868680"/>
+            <a:ext cx="11006400" cy="5183966"/>
           </a:xfrm>
         </p:spPr>
         <p:txBody>
@@ -4341,7 +4341,7 @@
           <a:p>
             <a:fld id="{F52CA13D-CC20-034F-8D4D-5C3038626ED9}" type="datetime1">
               <a:rPr lang="nl-BE" smtClean="0"/>
-              <a:t>20/09/2025</a:t>
+              <a:t>21/09/2025</a:t>
             </a:fld>
             <a:endParaRPr lang="nl-NL"/>
           </a:p>
@@ -4459,7 +4459,7 @@
         </p:nvSpPr>
         <p:spPr>
           <a:xfrm>
-            <a:off x="576000" y="576001"/>
+            <a:off x="576000" y="15931"/>
             <a:ext cx="11041200" cy="650366"/>
           </a:xfrm>
         </p:spPr>
@@ -4554,7 +4554,7 @@
           <a:p>
             <a:fld id="{D15822B7-9EF6-9542-AF10-CD505E021A84}" type="datetime1">
               <a:rPr lang="nl-BE" smtClean="0"/>
-              <a:t>20/09/2025</a:t>
+              <a:t>21/09/2025</a:t>
             </a:fld>
             <a:endParaRPr lang="nl-NL"/>
           </a:p>
@@ -4620,8 +4620,8 @@
         </p:nvSpPr>
         <p:spPr>
           <a:xfrm>
-            <a:off x="576000" y="2232000"/>
-            <a:ext cx="11006402" cy="3820646"/>
+            <a:off x="576000" y="708660"/>
+            <a:ext cx="11006402" cy="5343986"/>
           </a:xfrm>
         </p:spPr>
         <p:txBody>
@@ -4682,7 +4682,7 @@
         </p:nvSpPr>
         <p:spPr>
           <a:xfrm>
-            <a:off x="576000" y="576001"/>
+            <a:off x="576000" y="15931"/>
             <a:ext cx="11041200" cy="578430"/>
           </a:xfrm>
         </p:spPr>
@@ -4691,10 +4691,10 @@
           <a:lstStyle/>
           <a:p>
             <a:r>
-              <a:rPr lang="en-US"/>
+              <a:rPr lang="en-US" dirty="0"/>
               <a:t>Click to edit Master title style</a:t>
             </a:r>
-            <a:endParaRPr lang="en-GB"/>
+            <a:endParaRPr lang="en-GB" dirty="0"/>
           </a:p>
         </p:txBody>
       </p:sp>
@@ -4745,7 +4745,7 @@
           <a:p>
             <a:fld id="{D15822B7-9EF6-9542-AF10-CD505E021A84}" type="datetime1">
               <a:rPr lang="nl-BE" smtClean="0"/>
-              <a:t>20/09/2025</a:t>
+              <a:t>21/09/2025</a:t>
             </a:fld>
             <a:endParaRPr lang="nl-NL"/>
           </a:p>
@@ -4811,8 +4811,8 @@
         </p:nvSpPr>
         <p:spPr>
           <a:xfrm>
-            <a:off x="576000" y="2232000"/>
-            <a:ext cx="11006402" cy="3820646"/>
+            <a:off x="576000" y="765810"/>
+            <a:ext cx="11006402" cy="5286836"/>
           </a:xfrm>
         </p:spPr>
         <p:txBody>
@@ -4873,7 +4873,7 @@
         </p:nvSpPr>
         <p:spPr>
           <a:xfrm>
-            <a:off x="576000" y="576001"/>
+            <a:off x="576000" y="0"/>
             <a:ext cx="11041200" cy="647010"/>
           </a:xfrm>
         </p:spPr>
@@ -5103,7 +5103,7 @@
           <a:p>
             <a:fld id="{0C33DDE8-63FF-C642-9F3A-0B773DD34821}" type="datetime1">
               <a:rPr lang="nl-BE" smtClean="0"/>
-              <a:t>20/09/2025</a:t>
+              <a:t>21/09/2025</a:t>
             </a:fld>
             <a:endParaRPr lang="nl-NL"/>
           </a:p>
@@ -6859,6 +6859,26 @@
 </file>
 
 <file path=customXml/item1.xml><?xml version="1.0" encoding="utf-8"?>
+<p:properties xmlns:p="http://schemas.microsoft.com/office/2006/metadata/properties" xmlns:xsi="http://www.w3.org/2001/XMLSchema-instance" xmlns:pc="http://schemas.microsoft.com/office/infopath/2007/PartnerControls">
+  <documentManagement>
+    <lcf76f155ced4ddcb4097134ff3c332f xmlns="81d41a3b-f33d-4db6-b532-757106a7a2ae">
+      <Terms xmlns="http://schemas.microsoft.com/office/infopath/2007/PartnerControls"/>
+    </lcf76f155ced4ddcb4097134ff3c332f>
+    <TaxCatchAll xmlns="bf25a9bf-a811-4965-9d0a-b88059080fed" xsi:nil="true"/>
+  </documentManagement>
+</p:properties>
+</file>
+
+<file path=customXml/item2.xml><?xml version="1.0" encoding="utf-8"?>
+<?mso-contentType ?>
+<FormTemplates xmlns="http://schemas.microsoft.com/sharepoint/v3/contenttype/forms">
+  <Display>DocumentLibraryForm</Display>
+  <Edit>DocumentLibraryForm</Edit>
+  <New>DocumentLibraryForm</New>
+</FormTemplates>
+</file>
+
+<file path=customXml/item3.xml><?xml version="1.0" encoding="utf-8"?>
 <ct:contentTypeSchema xmlns:ct="http://schemas.microsoft.com/office/2006/metadata/contentType" xmlns:ma="http://schemas.microsoft.com/office/2006/metadata/properties/metaAttributes" ct:_="" ma:_="" ma:contentTypeName="Document" ma:contentTypeID="0x010100B8C495A181F81B4C9DE5AD85CD0F70D4" ma:contentTypeVersion="18" ma:contentTypeDescription="Een nieuw document maken." ma:contentTypeScope="" ma:versionID="6ba28a59cba4a02a693681f32745d77b">
   <xsd:schema xmlns:xsd="http://www.w3.org/2001/XMLSchema" xmlns:xs="http://www.w3.org/2001/XMLSchema" xmlns:p="http://schemas.microsoft.com/office/2006/metadata/properties" xmlns:ns2="81d41a3b-f33d-4db6-b532-757106a7a2ae" xmlns:ns3="bf25a9bf-a811-4965-9d0a-b88059080fed" targetNamespace="http://schemas.microsoft.com/office/2006/metadata/properties" ma:root="true" ma:fieldsID="b996b4a4c0d83f5cfec71b22aba921d2" ns2:_="" ns3:_="">
     <xsd:import namespace="81d41a3b-f33d-4db6-b532-757106a7a2ae"/>
@@ -7113,27 +7133,32 @@
 </ct:contentTypeSchema>
 </file>
 
-<file path=customXml/item2.xml><?xml version="1.0" encoding="utf-8"?>
-<?mso-contentType ?>
-<FormTemplates xmlns="http://schemas.microsoft.com/sharepoint/v3/contenttype/forms">
-  <Display>DocumentLibraryForm</Display>
-  <Edit>DocumentLibraryForm</Edit>
-  <New>DocumentLibraryForm</New>
-</FormTemplates>
+<file path=customXml/itemProps1.xml><?xml version="1.0" encoding="utf-8"?>
+<ds:datastoreItem xmlns:ds="http://schemas.openxmlformats.org/officeDocument/2006/customXml" ds:itemID="{5EE9034D-0B43-4AB0-9535-9A62DB37A999}">
+  <ds:schemaRefs>
+    <ds:schemaRef ds:uri="http://www.w3.org/XML/1998/namespace"/>
+    <ds:schemaRef ds:uri="81d41a3b-f33d-4db6-b532-757106a7a2ae"/>
+    <ds:schemaRef ds:uri="http://purl.org/dc/dcmitype/"/>
+    <ds:schemaRef ds:uri="http://purl.org/dc/elements/1.1/"/>
+    <ds:schemaRef ds:uri="http://schemas.microsoft.com/office/2006/documentManagement/types"/>
+    <ds:schemaRef ds:uri="bf25a9bf-a811-4965-9d0a-b88059080fed"/>
+    <ds:schemaRef ds:uri="http://purl.org/dc/terms/"/>
+    <ds:schemaRef ds:uri="http://schemas.microsoft.com/office/infopath/2007/PartnerControls"/>
+    <ds:schemaRef ds:uri="http://schemas.openxmlformats.org/package/2006/metadata/core-properties"/>
+    <ds:schemaRef ds:uri="http://schemas.microsoft.com/office/2006/metadata/properties"/>
+  </ds:schemaRefs>
+</ds:datastoreItem>
 </file>
 
-<file path=customXml/item3.xml><?xml version="1.0" encoding="utf-8"?>
-<p:properties xmlns:p="http://schemas.microsoft.com/office/2006/metadata/properties" xmlns:xsi="http://www.w3.org/2001/XMLSchema-instance" xmlns:pc="http://schemas.microsoft.com/office/infopath/2007/PartnerControls">
-  <documentManagement>
-    <lcf76f155ced4ddcb4097134ff3c332f xmlns="81d41a3b-f33d-4db6-b532-757106a7a2ae">
-      <Terms xmlns="http://schemas.microsoft.com/office/infopath/2007/PartnerControls"/>
-    </lcf76f155ced4ddcb4097134ff3c332f>
-    <TaxCatchAll xmlns="bf25a9bf-a811-4965-9d0a-b88059080fed" xsi:nil="true"/>
-  </documentManagement>
-</p:properties>
+<file path=customXml/itemProps2.xml><?xml version="1.0" encoding="utf-8"?>
+<ds:datastoreItem xmlns:ds="http://schemas.openxmlformats.org/officeDocument/2006/customXml" ds:itemID="{263A7949-1B93-457F-8888-53CC8A016F77}">
+  <ds:schemaRefs>
+    <ds:schemaRef ds:uri="http://schemas.microsoft.com/sharepoint/v3/contenttype/forms"/>
+  </ds:schemaRefs>
+</ds:datastoreItem>
 </file>
 
-<file path=customXml/itemProps1.xml><?xml version="1.0" encoding="utf-8"?>
+<file path=customXml/itemProps3.xml><?xml version="1.0" encoding="utf-8"?>
 <ds:datastoreItem xmlns:ds="http://schemas.openxmlformats.org/officeDocument/2006/customXml" ds:itemID="{2A270F01-48F1-4A41-8E26-ACAC66896963}">
   <ds:schemaRefs>
     <ds:schemaRef ds:uri="http://schemas.microsoft.com/office/2006/metadata/contentType"/>
@@ -7150,29 +7175,4 @@
     <ds:schemaRef ds:uri="http://schemas.microsoft.com/internal/obd"/>
   </ds:schemaRefs>
 </ds:datastoreItem>
-</file>
-
-<file path=customXml/itemProps2.xml><?xml version="1.0" encoding="utf-8"?>
-<ds:datastoreItem xmlns:ds="http://schemas.openxmlformats.org/officeDocument/2006/customXml" ds:itemID="{263A7949-1B93-457F-8888-53CC8A016F77}">
-  <ds:schemaRefs>
-    <ds:schemaRef ds:uri="http://schemas.microsoft.com/sharepoint/v3/contenttype/forms"/>
-  </ds:schemaRefs>
-</ds:datastoreItem>
-</file>
-
-<file path=customXml/itemProps3.xml><?xml version="1.0" encoding="utf-8"?>
-<ds:datastoreItem xmlns:ds="http://schemas.openxmlformats.org/officeDocument/2006/customXml" ds:itemID="{5EE9034D-0B43-4AB0-9535-9A62DB37A999}">
-  <ds:schemaRefs>
-    <ds:schemaRef ds:uri="http://www.w3.org/XML/1998/namespace"/>
-    <ds:schemaRef ds:uri="81d41a3b-f33d-4db6-b532-757106a7a2ae"/>
-    <ds:schemaRef ds:uri="http://purl.org/dc/dcmitype/"/>
-    <ds:schemaRef ds:uri="http://purl.org/dc/elements/1.1/"/>
-    <ds:schemaRef ds:uri="http://schemas.microsoft.com/office/2006/documentManagement/types"/>
-    <ds:schemaRef ds:uri="bf25a9bf-a811-4965-9d0a-b88059080fed"/>
-    <ds:schemaRef ds:uri="http://purl.org/dc/terms/"/>
-    <ds:schemaRef ds:uri="http://schemas.microsoft.com/office/infopath/2007/PartnerControls"/>
-    <ds:schemaRef ds:uri="http://schemas.openxmlformats.org/package/2006/metadata/core-properties"/>
-    <ds:schemaRef ds:uri="http://schemas.microsoft.com/office/2006/metadata/properties"/>
-  </ds:schemaRefs>
-</ds:datastoreItem>
 </file>
--- a/ToegepasteAnalogeElektronica/PowerPoint/SmithKaartOefening8.pptx
+++ b/ToegepasteAnalogeElektronica/PowerPoint/SmithKaartOefening8.pptx
@@ -5810,7 +5810,7 @@
         </p:blipFill>
         <p:spPr>
           <a:xfrm>
-            <a:off x="4786312" y="2084831"/>
+            <a:off x="4786312" y="868680"/>
             <a:ext cx="2619375" cy="809625"/>
           </a:xfrm>
           <a:prstGeom prst="rect">

--- a/ToegepasteAnalogeElektronica/PowerPoint/SmithKaartOefening8.pptx
+++ b/ToegepasteAnalogeElektronica/PowerPoint/SmithKaartOefening8.pptx
@@ -5722,8 +5722,8 @@
         </p:blipFill>
         <p:spPr>
           <a:xfrm>
-            <a:off x="3722405" y="1179576"/>
-            <a:ext cx="4747189" cy="5029200"/>
+            <a:off x="3463468" y="566928"/>
+            <a:ext cx="5265064" cy="5577840"/>
           </a:xfrm>
           <a:prstGeom prst="rect">
             <a:avLst/>
@@ -5881,8 +5881,8 @@
         </p:blipFill>
         <p:spPr>
           <a:xfrm>
-            <a:off x="3581400" y="1179576"/>
-            <a:ext cx="5029200" cy="5029200"/>
+            <a:off x="3307080" y="566928"/>
+            <a:ext cx="5577840" cy="5577840"/>
           </a:xfrm>
           <a:prstGeom prst="rect">
             <a:avLst/>
@@ -5952,8 +5952,8 @@
         </p:blipFill>
         <p:spPr>
           <a:xfrm>
-            <a:off x="3581400" y="1179576"/>
-            <a:ext cx="5029200" cy="5029200"/>
+            <a:off x="3307080" y="566928"/>
+            <a:ext cx="5577840" cy="5577840"/>
           </a:xfrm>
           <a:prstGeom prst="rect">
             <a:avLst/>
@@ -6023,8 +6023,8 @@
         </p:blipFill>
         <p:spPr>
           <a:xfrm>
-            <a:off x="0" y="1179576"/>
-            <a:ext cx="12192000" cy="5029200"/>
+            <a:off x="0" y="566928"/>
+            <a:ext cx="12192000" cy="5577840"/>
           </a:xfrm>
           <a:prstGeom prst="rect">
             <a:avLst/>

--- a/ToegepasteAnalogeElektronica/PowerPoint/SmithKaartOefening8.pptx
+++ b/ToegepasteAnalogeElektronica/PowerPoint/SmithKaartOefening8.pptx
@@ -1,6 +1,6 @@
 
 <file path=ppt/presentation.xml><?xml version="1.0" encoding="utf-8"?>
-<p:presentation xmlns:a="http://schemas.openxmlformats.org/drawingml/2006/main" xmlns:r="http://schemas.openxmlformats.org/officeDocument/2006/relationships" xmlns:p="http://schemas.openxmlformats.org/presentationml/2006/main" saveSubsetFonts="1" autoCompressPictures="0">
+<p:presentation xmlns:a="http://schemas.openxmlformats.org/drawingml/2006/main" xmlns:r="http://schemas.openxmlformats.org/officeDocument/2006/relationships" xmlns:p="http://schemas.openxmlformats.org/presentationml/2006/main" showSpecialPlsOnTitleSld="0" saveSubsetFonts="1" autoCompressPictures="0">
   <p:sldMasterIdLst>
     <p:sldMasterId id="2147483648" r:id="rId4"/>
   </p:sldMasterIdLst>
@@ -681,7 +681,7 @@
           <a:p>
             <a:fld id="{8F591CCF-F6FD-734B-854A-5BC033593B1E}" type="datetimeFigureOut">
               <a:rPr lang="nl-NL" smtClean="0"/>
-              <a:t>21-9-2025</a:t>
+              <a:t>28-9-2025</a:t>
             </a:fld>
             <a:endParaRPr lang="nl-NL"/>
           </a:p>
@@ -846,7 +846,7 @@
           <a:p>
             <a:fld id="{23C66214-DB21-4647-B5DA-0D17CA592867}" type="datetimeFigureOut">
               <a:rPr lang="nl-NL" smtClean="0"/>
-              <a:t>21-9-2025</a:t>
+              <a:t>28-9-2025</a:t>
             </a:fld>
             <a:endParaRPr lang="nl-NL"/>
           </a:p>
@@ -1455,9 +1455,9 @@
           <a:bodyPr/>
           <a:lstStyle/>
           <a:p>
-            <a:fld id="{D15822B7-9EF6-9542-AF10-CD505E021A84}" type="datetime1">
+            <a:fld id="{39E7E716-59E8-42BC-97BF-DDA9E59ADEE7}" type="datetime1">
               <a:rPr lang="nl-BE" smtClean="0"/>
-              <a:t>21/09/2025</a:t>
+              <a:t>28/09/2025</a:t>
             </a:fld>
             <a:endParaRPr lang="nl-NL"/>
           </a:p>
@@ -1489,7 +1489,7 @@
           <a:bodyPr/>
           <a:lstStyle/>
           <a:p>
-            <a:endParaRPr lang="nl-NL"/>
+            <a:endParaRPr lang="nl-NL" dirty="0"/>
           </a:p>
         </p:txBody>
       </p:sp>
@@ -1705,9 +1705,9 @@
           <a:bodyPr/>
           <a:lstStyle/>
           <a:p>
-            <a:fld id="{D15822B7-9EF6-9542-AF10-CD505E021A84}" type="datetime1">
+            <a:fld id="{68285E84-F3E9-4DE0-AF5C-DC32311C51B6}" type="datetime1">
               <a:rPr lang="nl-BE" smtClean="0"/>
-              <a:t>21/09/2025</a:t>
+              <a:t>28/09/2025</a:t>
             </a:fld>
             <a:endParaRPr lang="nl-NL"/>
           </a:p>
@@ -1988,9 +1988,9 @@
           <a:bodyPr/>
           <a:lstStyle/>
           <a:p>
-            <a:fld id="{F52CA13D-CC20-034F-8D4D-5C3038626ED9}" type="datetime1">
+            <a:fld id="{86D712DB-13D1-48DF-8D74-EA2A0D6A1295}" type="datetime1">
               <a:rPr lang="nl-BE" smtClean="0"/>
-              <a:t>21/09/2025</a:t>
+              <a:t>28/09/2025</a:t>
             </a:fld>
             <a:endParaRPr lang="nl-NL"/>
           </a:p>
@@ -2340,9 +2340,9 @@
           <a:bodyPr/>
           <a:lstStyle/>
           <a:p>
-            <a:fld id="{F52CA13D-CC20-034F-8D4D-5C3038626ED9}" type="datetime1">
+            <a:fld id="{EE55F63B-E5C2-47C9-B767-96A09BC63624}" type="datetime1">
               <a:rPr lang="nl-BE" smtClean="0"/>
-              <a:t>21/09/2025</a:t>
+              <a:t>28/09/2025</a:t>
             </a:fld>
             <a:endParaRPr lang="nl-NL"/>
           </a:p>
@@ -3573,9 +3573,9 @@
           <a:bodyPr/>
           <a:lstStyle/>
           <a:p>
-            <a:fld id="{F52CA13D-CC20-034F-8D4D-5C3038626ED9}" type="datetime1">
+            <a:fld id="{0445AAF3-F212-43BB-932B-DD1A31841819}" type="datetime1">
               <a:rPr lang="nl-BE" smtClean="0"/>
-              <a:t>21/09/2025</a:t>
+              <a:t>28/09/2025</a:t>
             </a:fld>
             <a:endParaRPr lang="nl-NL"/>
           </a:p>
@@ -3794,9 +3794,9 @@
           <a:bodyPr/>
           <a:lstStyle/>
           <a:p>
-            <a:fld id="{F52CA13D-CC20-034F-8D4D-5C3038626ED9}" type="datetime1">
+            <a:fld id="{215EBCC0-C3A3-417F-962F-876AE60FF46F}" type="datetime1">
               <a:rPr lang="nl-BE" smtClean="0"/>
-              <a:t>21/09/2025</a:t>
+              <a:t>28/09/2025</a:t>
             </a:fld>
             <a:endParaRPr lang="nl-NL"/>
           </a:p>
@@ -4085,9 +4085,9 @@
           <a:bodyPr/>
           <a:lstStyle/>
           <a:p>
-            <a:fld id="{F52CA13D-CC20-034F-8D4D-5C3038626ED9}" type="datetime1">
+            <a:fld id="{5087A35E-C6EC-4A6C-A286-9B263B20AC20}" type="datetime1">
               <a:rPr lang="nl-BE" smtClean="0"/>
-              <a:t>21/09/2025</a:t>
+              <a:t>28/09/2025</a:t>
             </a:fld>
             <a:endParaRPr lang="nl-NL"/>
           </a:p>
@@ -4339,9 +4339,9 @@
           <a:bodyPr/>
           <a:lstStyle/>
           <a:p>
-            <a:fld id="{F52CA13D-CC20-034F-8D4D-5C3038626ED9}" type="datetime1">
+            <a:fld id="{4B9B00E3-DE57-4EA4-A886-8AA88F9577D7}" type="datetime1">
               <a:rPr lang="nl-BE" smtClean="0"/>
-              <a:t>21/09/2025</a:t>
+              <a:t>28/09/2025</a:t>
             </a:fld>
             <a:endParaRPr lang="nl-NL"/>
           </a:p>
@@ -4552,9 +4552,9 @@
           <a:bodyPr/>
           <a:lstStyle/>
           <a:p>
-            <a:fld id="{D15822B7-9EF6-9542-AF10-CD505E021A84}" type="datetime1">
+            <a:fld id="{1631A466-BC4F-407D-A3EA-76F6655478F0}" type="datetime1">
               <a:rPr lang="nl-BE" smtClean="0"/>
-              <a:t>21/09/2025</a:t>
+              <a:t>28/09/2025</a:t>
             </a:fld>
             <a:endParaRPr lang="nl-NL"/>
           </a:p>
@@ -4743,9 +4743,9 @@
           <a:bodyPr/>
           <a:lstStyle/>
           <a:p>
-            <a:fld id="{D15822B7-9EF6-9542-AF10-CD505E021A84}" type="datetime1">
+            <a:fld id="{7CF5F32B-E94B-420F-86D9-59A9E32E05E1}" type="datetime1">
               <a:rPr lang="nl-BE" smtClean="0"/>
-              <a:t>21/09/2025</a:t>
+              <a:t>28/09/2025</a:t>
             </a:fld>
             <a:endParaRPr lang="nl-NL"/>
           </a:p>
@@ -5101,9 +5101,9 @@
             </a:lvl1pPr>
           </a:lstStyle>
           <a:p>
-            <a:fld id="{0C33DDE8-63FF-C642-9F3A-0B773DD34821}" type="datetime1">
+            <a:fld id="{341CC9F9-C2CE-4031-804C-1F2576E1A82A}" type="datetime1">
               <a:rPr lang="nl-BE" smtClean="0"/>
-              <a:t>21/09/2025</a:t>
+              <a:t>28/09/2025</a:t>
             </a:fld>
             <a:endParaRPr lang="nl-NL"/>
           </a:p>
@@ -5239,7 +5239,7 @@
     <p:sldLayoutId id="2147483670" r:id="rId12"/>
     <p:sldLayoutId id="2147483651" r:id="rId13"/>
   </p:sldLayoutIdLst>
-  <p:hf hdr="0" ftr="0" dt="0"/>
+  <p:hf hdr="0" dt="0"/>
   <p:txStyles>
     <p:titleStyle>
       <a:lvl1pPr algn="l" defTabSz="914400" rtl="0" eaLnBrk="1" latinLnBrk="0" hangingPunct="1">
@@ -6859,26 +6859,6 @@
 </file>
 
 <file path=customXml/item1.xml><?xml version="1.0" encoding="utf-8"?>
-<p:properties xmlns:p="http://schemas.microsoft.com/office/2006/metadata/properties" xmlns:xsi="http://www.w3.org/2001/XMLSchema-instance" xmlns:pc="http://schemas.microsoft.com/office/infopath/2007/PartnerControls">
-  <documentManagement>
-    <lcf76f155ced4ddcb4097134ff3c332f xmlns="81d41a3b-f33d-4db6-b532-757106a7a2ae">
-      <Terms xmlns="http://schemas.microsoft.com/office/infopath/2007/PartnerControls"/>
-    </lcf76f155ced4ddcb4097134ff3c332f>
-    <TaxCatchAll xmlns="bf25a9bf-a811-4965-9d0a-b88059080fed" xsi:nil="true"/>
-  </documentManagement>
-</p:properties>
-</file>
-
-<file path=customXml/item2.xml><?xml version="1.0" encoding="utf-8"?>
-<?mso-contentType ?>
-<FormTemplates xmlns="http://schemas.microsoft.com/sharepoint/v3/contenttype/forms">
-  <Display>DocumentLibraryForm</Display>
-  <Edit>DocumentLibraryForm</Edit>
-  <New>DocumentLibraryForm</New>
-</FormTemplates>
-</file>
-
-<file path=customXml/item3.xml><?xml version="1.0" encoding="utf-8"?>
 <ct:contentTypeSchema xmlns:ct="http://schemas.microsoft.com/office/2006/metadata/contentType" xmlns:ma="http://schemas.microsoft.com/office/2006/metadata/properties/metaAttributes" ct:_="" ma:_="" ma:contentTypeName="Document" ma:contentTypeID="0x010100B8C495A181F81B4C9DE5AD85CD0F70D4" ma:contentTypeVersion="18" ma:contentTypeDescription="Een nieuw document maken." ma:contentTypeScope="" ma:versionID="6ba28a59cba4a02a693681f32745d77b">
   <xsd:schema xmlns:xsd="http://www.w3.org/2001/XMLSchema" xmlns:xs="http://www.w3.org/2001/XMLSchema" xmlns:p="http://schemas.microsoft.com/office/2006/metadata/properties" xmlns:ns2="81d41a3b-f33d-4db6-b532-757106a7a2ae" xmlns:ns3="bf25a9bf-a811-4965-9d0a-b88059080fed" targetNamespace="http://schemas.microsoft.com/office/2006/metadata/properties" ma:root="true" ma:fieldsID="b996b4a4c0d83f5cfec71b22aba921d2" ns2:_="" ns3:_="">
     <xsd:import namespace="81d41a3b-f33d-4db6-b532-757106a7a2ae"/>
@@ -7133,32 +7113,27 @@
 </ct:contentTypeSchema>
 </file>
 
-<file path=customXml/itemProps1.xml><?xml version="1.0" encoding="utf-8"?>
-<ds:datastoreItem xmlns:ds="http://schemas.openxmlformats.org/officeDocument/2006/customXml" ds:itemID="{5EE9034D-0B43-4AB0-9535-9A62DB37A999}">
-  <ds:schemaRefs>
-    <ds:schemaRef ds:uri="http://www.w3.org/XML/1998/namespace"/>
-    <ds:schemaRef ds:uri="81d41a3b-f33d-4db6-b532-757106a7a2ae"/>
-    <ds:schemaRef ds:uri="http://purl.org/dc/dcmitype/"/>
-    <ds:schemaRef ds:uri="http://purl.org/dc/elements/1.1/"/>
-    <ds:schemaRef ds:uri="http://schemas.microsoft.com/office/2006/documentManagement/types"/>
-    <ds:schemaRef ds:uri="bf25a9bf-a811-4965-9d0a-b88059080fed"/>
-    <ds:schemaRef ds:uri="http://purl.org/dc/terms/"/>
-    <ds:schemaRef ds:uri="http://schemas.microsoft.com/office/infopath/2007/PartnerControls"/>
-    <ds:schemaRef ds:uri="http://schemas.openxmlformats.org/package/2006/metadata/core-properties"/>
-    <ds:schemaRef ds:uri="http://schemas.microsoft.com/office/2006/metadata/properties"/>
-  </ds:schemaRefs>
-</ds:datastoreItem>
+<file path=customXml/item2.xml><?xml version="1.0" encoding="utf-8"?>
+<?mso-contentType ?>
+<FormTemplates xmlns="http://schemas.microsoft.com/sharepoint/v3/contenttype/forms">
+  <Display>DocumentLibraryForm</Display>
+  <Edit>DocumentLibraryForm</Edit>
+  <New>DocumentLibraryForm</New>
+</FormTemplates>
 </file>
 
-<file path=customXml/itemProps2.xml><?xml version="1.0" encoding="utf-8"?>
-<ds:datastoreItem xmlns:ds="http://schemas.openxmlformats.org/officeDocument/2006/customXml" ds:itemID="{263A7949-1B93-457F-8888-53CC8A016F77}">
-  <ds:schemaRefs>
-    <ds:schemaRef ds:uri="http://schemas.microsoft.com/sharepoint/v3/contenttype/forms"/>
-  </ds:schemaRefs>
-</ds:datastoreItem>
+<file path=customXml/item3.xml><?xml version="1.0" encoding="utf-8"?>
+<p:properties xmlns:p="http://schemas.microsoft.com/office/2006/metadata/properties" xmlns:xsi="http://www.w3.org/2001/XMLSchema-instance" xmlns:pc="http://schemas.microsoft.com/office/infopath/2007/PartnerControls">
+  <documentManagement>
+    <lcf76f155ced4ddcb4097134ff3c332f xmlns="81d41a3b-f33d-4db6-b532-757106a7a2ae">
+      <Terms xmlns="http://schemas.microsoft.com/office/infopath/2007/PartnerControls"/>
+    </lcf76f155ced4ddcb4097134ff3c332f>
+    <TaxCatchAll xmlns="bf25a9bf-a811-4965-9d0a-b88059080fed" xsi:nil="true"/>
+  </documentManagement>
+</p:properties>
 </file>
 
-<file path=customXml/itemProps3.xml><?xml version="1.0" encoding="utf-8"?>
+<file path=customXml/itemProps1.xml><?xml version="1.0" encoding="utf-8"?>
 <ds:datastoreItem xmlns:ds="http://schemas.openxmlformats.org/officeDocument/2006/customXml" ds:itemID="{2A270F01-48F1-4A41-8E26-ACAC66896963}">
   <ds:schemaRefs>
     <ds:schemaRef ds:uri="http://schemas.microsoft.com/office/2006/metadata/contentType"/>
@@ -7175,4 +7150,29 @@
     <ds:schemaRef ds:uri="http://schemas.microsoft.com/internal/obd"/>
   </ds:schemaRefs>
 </ds:datastoreItem>
+</file>
+
+<file path=customXml/itemProps2.xml><?xml version="1.0" encoding="utf-8"?>
+<ds:datastoreItem xmlns:ds="http://schemas.openxmlformats.org/officeDocument/2006/customXml" ds:itemID="{263A7949-1B93-457F-8888-53CC8A016F77}">
+  <ds:schemaRefs>
+    <ds:schemaRef ds:uri="http://schemas.microsoft.com/sharepoint/v3/contenttype/forms"/>
+  </ds:schemaRefs>
+</ds:datastoreItem>
+</file>
+
+<file path=customXml/itemProps3.xml><?xml version="1.0" encoding="utf-8"?>
+<ds:datastoreItem xmlns:ds="http://schemas.openxmlformats.org/officeDocument/2006/customXml" ds:itemID="{5EE9034D-0B43-4AB0-9535-9A62DB37A999}">
+  <ds:schemaRefs>
+    <ds:schemaRef ds:uri="http://www.w3.org/XML/1998/namespace"/>
+    <ds:schemaRef ds:uri="81d41a3b-f33d-4db6-b532-757106a7a2ae"/>
+    <ds:schemaRef ds:uri="http://purl.org/dc/dcmitype/"/>
+    <ds:schemaRef ds:uri="http://purl.org/dc/elements/1.1/"/>
+    <ds:schemaRef ds:uri="http://schemas.microsoft.com/office/2006/documentManagement/types"/>
+    <ds:schemaRef ds:uri="bf25a9bf-a811-4965-9d0a-b88059080fed"/>
+    <ds:schemaRef ds:uri="http://purl.org/dc/terms/"/>
+    <ds:schemaRef ds:uri="http://schemas.microsoft.com/office/infopath/2007/PartnerControls"/>
+    <ds:schemaRef ds:uri="http://schemas.openxmlformats.org/package/2006/metadata/core-properties"/>
+    <ds:schemaRef ds:uri="http://schemas.microsoft.com/office/2006/metadata/properties"/>
+  </ds:schemaRefs>
+</ds:datastoreItem>
 </file>
--- a/ToegepasteAnalogeElektronica/PowerPoint/SmithKaartOefening8.pptx
+++ b/ToegepasteAnalogeElektronica/PowerPoint/SmithKaartOefening8.pptx
@@ -19,6 +19,8 @@
     <p:sldId id="261" r:id="rId18"/>
     <p:sldId id="262" r:id="rId19"/>
     <p:sldId id="263" r:id="rId20"/>
+    <p:sldId id="264" r:id="rId21"/>
+    <p:sldId id="265" r:id="rId22"/>
   </p:sldIdLst>
   <p:sldSz cx="12192000" cy="6858000"/>
   <p:notesSz cx="6858000" cy="9144000"/>
@@ -5667,6 +5669,24 @@
 </p:sld>
 </file>
 
+<file path=ppt/slides/slide10.xml><?xml version="1.0" encoding="utf-8"?>
+<p:sld xmlns:a="http://schemas.openxmlformats.org/drawingml/2006/main" xmlns:p="http://schemas.openxmlformats.org/presentationml/2006/main" xmlns:r="http://schemas.openxmlformats.org/officeDocument/2006/relationships">
+  <p:cSld>
+    <p:spTree>
+      <p:nvGrpSpPr>
+        <p:cNvPr id="1" name=""/>
+        <p:cNvGrpSpPr/>
+        <p:nvPr/>
+      </p:nvGrpSpPr>
+      <p:grpSpPr/>
+    </p:spTree>
+  </p:cSld>
+  <p:clrMapOvr>
+    <a:masterClrMapping/>
+  </p:clrMapOvr>
+</p:sld>
+</file>
+
 <file path=ppt/slides/slide2.xml><?xml version="1.0" encoding="utf-8"?>
 <p:sld xmlns:a="http://schemas.openxmlformats.org/drawingml/2006/main" xmlns:p="http://schemas.openxmlformats.org/presentationml/2006/main" xmlns:r="http://schemas.openxmlformats.org/officeDocument/2006/relationships">
   <p:cSld>
@@ -5722,8 +5742,8 @@
         </p:blipFill>
         <p:spPr>
           <a:xfrm>
-            <a:off x="3463468" y="566928"/>
-            <a:ext cx="5265064" cy="5577840"/>
+            <a:off x="3420312" y="566928"/>
+            <a:ext cx="5351376" cy="5669280"/>
           </a:xfrm>
           <a:prstGeom prst="rect">
             <a:avLst/>
@@ -5810,7 +5830,7 @@
         </p:blipFill>
         <p:spPr>
           <a:xfrm>
-            <a:off x="4786312" y="868680"/>
+            <a:off x="4786312" y="566928"/>
             <a:ext cx="2619375" cy="809625"/>
           </a:xfrm>
           <a:prstGeom prst="rect">
@@ -5881,8 +5901,8 @@
         </p:blipFill>
         <p:spPr>
           <a:xfrm>
-            <a:off x="3307080" y="566928"/>
-            <a:ext cx="5577840" cy="5577840"/>
+            <a:off x="3261360" y="566928"/>
+            <a:ext cx="5669280" cy="5669280"/>
           </a:xfrm>
           <a:prstGeom prst="rect">
             <a:avLst/>
@@ -5909,7 +5929,145 @@
       <p:grpSpPr/>
       <p:sp>
         <p:nvSpPr>
-          <p:cNvPr id="2" name="Title 1"/>
+          <p:cNvPr id="2" name="Content Placeholder 1"/>
+          <p:cNvSpPr>
+            <a:spLocks noGrp="1"/>
+          </p:cNvSpPr>
+          <p:nvPr>
+            <p:ph idx="1"/>
+          </p:nvPr>
+        </p:nvSpPr>
+        <p:spPr/>
+        <p:txBody>
+          <a:bodyPr wrap="square">
+            <a:noAutofit/>
+          </a:bodyPr>
+          <a:lstStyle/>
+          <a:p>
+            <a:pPr>
+              <a:lnSpc>
+                <a:spcPts val="2400"/>
+              </a:lnSpc>
+              <a:defRPr>
+                <a:solidFill>
+                  <a:srgbClr val="000000"/>
+                </a:solidFill>
+              </a:defRPr>
+            </a:pPr>
+            <a:r>
+              <a:rPr sz="2400" b="0" i="0">
+                <a:latin typeface="Courier"/>
+              </a:rPr>
+              <a:t>hoek    admittantie (Siemens)     lengte baantje op PCB (cm)</a:t>
+            </a:r>
+            <a:endParaRPr sz="2400" b="0" i="0">
+              <a:latin typeface="Courier"/>
+            </a:endParaRPr>
+          </a:p>
+          <a:p>
+            <a:pPr>
+              <a:lnSpc>
+                <a:spcPts val="2400"/>
+              </a:lnSpc>
+              <a:defRPr>
+                <a:solidFill>
+                  <a:srgbClr val="000000"/>
+                </a:solidFill>
+              </a:defRPr>
+            </a:pPr>
+            <a:r>
+              <a:rPr sz="2400" b="0" i="0">
+                <a:latin typeface="Courier"/>
+              </a:rPr>
+              <a:t>  45    Y= 26.46+52.76j mS            lengte=0.50 cm</a:t>
+            </a:r>
+            <a:endParaRPr sz="2400" b="0" i="0">
+              <a:latin typeface="Courier"/>
+            </a:endParaRPr>
+          </a:p>
+          <a:p>
+            <a:pPr>
+              <a:lnSpc>
+                <a:spcPts val="2400"/>
+              </a:lnSpc>
+              <a:defRPr>
+                <a:solidFill>
+                  <a:srgbClr val="000000"/>
+                </a:solidFill>
+              </a:defRPr>
+            </a:pPr>
+            <a:r>
+              <a:rPr sz="2400" b="0" i="0">
+                <a:latin typeface="Courier"/>
+              </a:rPr>
+              <a:t>  46    Y= 27.36+53.66j mS            lengte=0.51 cm</a:t>
+            </a:r>
+            <a:endParaRPr sz="2400" b="0" i="0">
+              <a:latin typeface="Courier"/>
+            </a:endParaRPr>
+          </a:p>
+          <a:p>
+            <a:pPr>
+              <a:lnSpc>
+                <a:spcPts val="2400"/>
+              </a:lnSpc>
+              <a:defRPr>
+                <a:solidFill>
+                  <a:srgbClr val="000000"/>
+                </a:solidFill>
+              </a:defRPr>
+            </a:pPr>
+            <a:r>
+              <a:rPr sz="2400" b="0" i="0">
+                <a:latin typeface="Courier"/>
+              </a:rPr>
+              <a:t>  47    Y= 28.31+54.58j mS            lengte=0.52 cm</a:t>
+            </a:r>
+            <a:endParaRPr sz="2400" b="0" i="0">
+              <a:latin typeface="Courier"/>
+            </a:endParaRPr>
+          </a:p>
+          <a:p>
+            <a:pPr>
+              <a:lnSpc>
+                <a:spcPts val="2400"/>
+              </a:lnSpc>
+              <a:defRPr>
+                <a:solidFill>
+                  <a:srgbClr val="000000"/>
+                </a:solidFill>
+              </a:defRPr>
+            </a:pPr>
+            <a:r>
+              <a:rPr sz="2400" b="0" i="0">
+                <a:latin typeface="Courier"/>
+              </a:rPr>
+              <a:t>  48    Y= 29.30+55.51j mS            lengte=0.53 cm</a:t>
+            </a:r>
+            <a:endParaRPr sz="2400" b="0" i="0">
+              <a:latin typeface="Courier"/>
+            </a:endParaRPr>
+          </a:p>
+          <a:p>
+            <a:pPr>
+              <a:lnSpc>
+                <a:spcPts val="2400"/>
+              </a:lnSpc>
+              <a:defRPr>
+                <a:solidFill>
+                  <a:srgbClr val="000000"/>
+                </a:solidFill>
+              </a:defRPr>
+            </a:pPr>
+            <a:endParaRPr sz="2400" b="0" i="0">
+              <a:latin typeface="Courier"/>
+            </a:endParaRPr>
+          </a:p>
+        </p:txBody>
+      </p:sp>
+      <p:sp>
+        <p:nvSpPr>
+          <p:cNvPr id="3" name="Title 2"/>
           <p:cNvSpPr>
             <a:spLocks noGrp="1"/>
           </p:cNvSpPr>
@@ -5928,7 +6086,7 @@
               <a:rPr sz="3200" b="1" i="0">
                 <a:latin typeface="Arial"/>
               </a:rPr>
-              <a:t>Admittantie: aanpassing+open transmissielijn</a:t>
+              <a:t>Berekening admittantie voor verschillende lengtes</a:t>
             </a:r>
             <a:endParaRPr sz="3200" b="1" i="0">
               <a:latin typeface="Arial"/>
@@ -5936,30 +6094,6 @@
           </a:p>
         </p:txBody>
       </p:sp>
-      <p:pic>
-        <p:nvPicPr>
-          <p:cNvPr id="3" name="Picture 2" descr="image.png"/>
-          <p:cNvPicPr>
-            <a:picLocks noChangeAspect="1"/>
-          </p:cNvPicPr>
-          <p:nvPr/>
-        </p:nvPicPr>
-        <p:blipFill>
-          <a:blip r:embed="rId2"/>
-          <a:stretch>
-            <a:fillRect/>
-          </a:stretch>
-        </p:blipFill>
-        <p:spPr>
-          <a:xfrm>
-            <a:off x="3307080" y="566928"/>
-            <a:ext cx="5577840" cy="5577840"/>
-          </a:xfrm>
-          <a:prstGeom prst="rect">
-            <a:avLst/>
-          </a:prstGeom>
-        </p:spPr>
-      </p:pic>
     </p:spTree>
   </p:cSld>
   <p:clrMapOvr>
@@ -5999,7 +6133,7 @@
               <a:rPr sz="3200" b="1" i="0">
                 <a:latin typeface="Arial"/>
               </a:rPr>
-              <a:t>Circuit van de aangepaste antenne</a:t>
+              <a:t>Admittantie: aanpassing+open transmissielijn</a:t>
             </a:r>
             <a:endParaRPr sz="3200" b="1" i="0">
               <a:latin typeface="Arial"/>
@@ -6023,8 +6157,8 @@
         </p:blipFill>
         <p:spPr>
           <a:xfrm>
-            <a:off x="0" y="566928"/>
-            <a:ext cx="12192000" cy="5577840"/>
+            <a:off x="3261360" y="566928"/>
+            <a:ext cx="5669280" cy="5669280"/>
           </a:xfrm>
           <a:prstGeom prst="rect">
             <a:avLst/>
@@ -6049,6 +6183,173 @@
         <p:nvPr/>
       </p:nvGrpSpPr>
       <p:grpSpPr/>
+      <p:sp>
+        <p:nvSpPr>
+          <p:cNvPr id="2" name="Content Placeholder 1"/>
+          <p:cNvSpPr>
+            <a:spLocks noGrp="1"/>
+          </p:cNvSpPr>
+          <p:nvPr>
+            <p:ph idx="1"/>
+          </p:nvPr>
+        </p:nvSpPr>
+        <p:spPr/>
+        <p:txBody>
+          <a:bodyPr wrap="square">
+            <a:noAutofit/>
+          </a:bodyPr>
+          <a:lstStyle/>
+          <a:p>
+            <a:pPr>
+              <a:lnSpc>
+                <a:spcPts val="2400"/>
+              </a:lnSpc>
+              <a:defRPr>
+                <a:solidFill>
+                  <a:srgbClr val="000000"/>
+                </a:solidFill>
+              </a:defRPr>
+            </a:pPr>
+            <a:r>
+              <a:rPr sz="2400" b="0" i="0">
+                <a:latin typeface="Courier"/>
+              </a:rPr>
+              <a:t>hoek    admitantie (Siemens)     lengte coax (cm)</a:t>
+            </a:r>
+            <a:endParaRPr sz="2400" b="0" i="0">
+              <a:latin typeface="Courier"/>
+            </a:endParaRPr>
+          </a:p>
+          <a:p>
+            <a:pPr>
+              <a:lnSpc>
+                <a:spcPts val="2400"/>
+              </a:lnSpc>
+              <a:defRPr>
+                <a:solidFill>
+                  <a:srgbClr val="000000"/>
+                </a:solidFill>
+              </a:defRPr>
+            </a:pPr>
+            <a:r>
+              <a:rPr sz="2400" b="0" i="0">
+                <a:latin typeface="Courier"/>
+              </a:rPr>
+              <a:t> 233       Y= -55.71j mS     lengte=2.59 cm</a:t>
+            </a:r>
+            <a:endParaRPr sz="2400" b="0" i="0">
+              <a:latin typeface="Courier"/>
+            </a:endParaRPr>
+          </a:p>
+          <a:p>
+            <a:pPr>
+              <a:lnSpc>
+                <a:spcPts val="2400"/>
+              </a:lnSpc>
+              <a:defRPr>
+                <a:solidFill>
+                  <a:srgbClr val="000000"/>
+                </a:solidFill>
+              </a:defRPr>
+            </a:pPr>
+            <a:r>
+              <a:rPr sz="2400" b="0" i="0">
+                <a:latin typeface="Courier"/>
+              </a:rPr>
+              <a:t> 234       Y= -54.52j mS     lengte=2.60 cm</a:t>
+            </a:r>
+            <a:endParaRPr sz="2400" b="0" i="0">
+              <a:latin typeface="Courier"/>
+            </a:endParaRPr>
+          </a:p>
+          <a:p>
+            <a:pPr>
+              <a:lnSpc>
+                <a:spcPts val="2400"/>
+              </a:lnSpc>
+              <a:defRPr>
+                <a:solidFill>
+                  <a:srgbClr val="000000"/>
+                </a:solidFill>
+              </a:defRPr>
+            </a:pPr>
+            <a:r>
+              <a:rPr sz="2400" b="0" i="0">
+                <a:latin typeface="Courier"/>
+              </a:rPr>
+              <a:t> 235       Y= -53.36j mS     lengte=2.61 cm</a:t>
+            </a:r>
+            <a:endParaRPr sz="2400" b="0" i="0">
+              <a:latin typeface="Courier"/>
+            </a:endParaRPr>
+          </a:p>
+          <a:p>
+            <a:pPr>
+              <a:lnSpc>
+                <a:spcPts val="2400"/>
+              </a:lnSpc>
+              <a:defRPr>
+                <a:solidFill>
+                  <a:srgbClr val="000000"/>
+                </a:solidFill>
+              </a:defRPr>
+            </a:pPr>
+            <a:r>
+              <a:rPr sz="2400" b="0" i="0">
+                <a:latin typeface="Courier"/>
+              </a:rPr>
+              <a:t> 236       Y= -52.24j mS     lengte=2.62 cm</a:t>
+            </a:r>
+            <a:endParaRPr sz="2400" b="0" i="0">
+              <a:latin typeface="Courier"/>
+            </a:endParaRPr>
+          </a:p>
+          <a:p>
+            <a:pPr>
+              <a:lnSpc>
+                <a:spcPts val="2400"/>
+              </a:lnSpc>
+              <a:defRPr>
+                <a:solidFill>
+                  <a:srgbClr val="000000"/>
+                </a:solidFill>
+              </a:defRPr>
+            </a:pPr>
+            <a:endParaRPr sz="2400" b="0" i="0">
+              <a:latin typeface="Courier"/>
+            </a:endParaRPr>
+          </a:p>
+        </p:txBody>
+      </p:sp>
+      <p:sp>
+        <p:nvSpPr>
+          <p:cNvPr id="3" name="Title 2"/>
+          <p:cNvSpPr>
+            <a:spLocks noGrp="1"/>
+          </p:cNvSpPr>
+          <p:nvPr>
+            <p:ph type="title"/>
+          </p:nvPr>
+        </p:nvSpPr>
+        <p:spPr/>
+        <p:txBody>
+          <a:bodyPr wrap="square">
+            <a:noAutofit/>
+          </a:bodyPr>
+          <a:lstStyle/>
+          <a:p>
+            <a:r>
+              <a:rPr sz="3100" b="1" i="0">
+                <a:latin typeface="Arial"/>
+              </a:rPr>
+              <a:t>Admittantie open transmissielijn als functie van de lengte</a:t>
+            </a:r>
+            <a:endParaRPr sz="3100" b="1" i="0">
+              <a:latin typeface="Arial"/>
+            </a:endParaRPr>
+          </a:p>
+        </p:txBody>
+      </p:sp>
     </p:spTree>
   </p:cSld>
   <p:clrMapOvr>
@@ -6058,6 +6359,77 @@
 </file>
 
 <file path=ppt/slides/slide8.xml><?xml version="1.0" encoding="utf-8"?>
+<p:sld xmlns:a="http://schemas.openxmlformats.org/drawingml/2006/main" xmlns:p="http://schemas.openxmlformats.org/presentationml/2006/main" xmlns:r="http://schemas.openxmlformats.org/officeDocument/2006/relationships">
+  <p:cSld>
+    <p:spTree>
+      <p:nvGrpSpPr>
+        <p:cNvPr id="1" name=""/>
+        <p:cNvGrpSpPr/>
+        <p:nvPr/>
+      </p:nvGrpSpPr>
+      <p:grpSpPr/>
+      <p:sp>
+        <p:nvSpPr>
+          <p:cNvPr id="2" name="Title 1"/>
+          <p:cNvSpPr>
+            <a:spLocks noGrp="1"/>
+          </p:cNvSpPr>
+          <p:nvPr>
+            <p:ph type="title"/>
+          </p:nvPr>
+        </p:nvSpPr>
+        <p:spPr/>
+        <p:txBody>
+          <a:bodyPr wrap="square">
+            <a:noAutofit/>
+          </a:bodyPr>
+          <a:lstStyle/>
+          <a:p>
+            <a:r>
+              <a:rPr sz="3200" b="1" i="0">
+                <a:latin typeface="Arial"/>
+              </a:rPr>
+              <a:t>Circuit van de aangepaste antenne</a:t>
+            </a:r>
+            <a:endParaRPr sz="3200" b="1" i="0">
+              <a:latin typeface="Arial"/>
+            </a:endParaRPr>
+          </a:p>
+        </p:txBody>
+      </p:sp>
+      <p:pic>
+        <p:nvPicPr>
+          <p:cNvPr id="3" name="Picture 2" descr="image.png"/>
+          <p:cNvPicPr>
+            <a:picLocks noChangeAspect="1"/>
+          </p:cNvPicPr>
+          <p:nvPr/>
+        </p:nvPicPr>
+        <p:blipFill>
+          <a:blip r:embed="rId2"/>
+          <a:stretch>
+            <a:fillRect/>
+          </a:stretch>
+        </p:blipFill>
+        <p:spPr>
+          <a:xfrm>
+            <a:off x="0" y="566928"/>
+            <a:ext cx="12192000" cy="5669280"/>
+          </a:xfrm>
+          <a:prstGeom prst="rect">
+            <a:avLst/>
+          </a:prstGeom>
+        </p:spPr>
+      </p:pic>
+    </p:spTree>
+  </p:cSld>
+  <p:clrMapOvr>
+    <a:masterClrMapping/>
+  </p:clrMapOvr>
+</p:sld>
+</file>
+
+<file path=ppt/slides/slide9.xml><?xml version="1.0" encoding="utf-8"?>
 <p:sld xmlns:a="http://schemas.openxmlformats.org/drawingml/2006/main" xmlns:p="http://schemas.openxmlformats.org/presentationml/2006/main" xmlns:r="http://schemas.openxmlformats.org/officeDocument/2006/relationships">
   <p:cSld>
     <p:spTree>

--- a/ToegepasteAnalogeElektronica/PowerPoint/SmithKaartOefening8.pptx
+++ b/ToegepasteAnalogeElektronica/PowerPoint/SmithKaartOefening8.pptx
@@ -5780,9 +5780,53 @@
         </p:nvSpPr>
         <p:spPr/>
         <p:txBody>
-          <a:bodyPr/>
+          <a:bodyPr>
+            <a:spAutoFit/>
+          </a:bodyPr>
           <a:lstStyle/>
           <a:p/>
+          <a:p>
+            <a:pPr/>
+            <a:r>
+              <a:t/>
+            </a:r>
+            <a:r>
+              <a:t>Y_L = \frac{1}{R}+ j \omega C</a:t>
+            </a:r>
+            <a:r>
+              <a:t/>
+            </a:r>
+          </a:p>
+          <a:p>
+            <a:pPr/>
+          </a:p>
+          <a:p>
+            <a:pPr/>
+            <a:r>
+              <a:t/>
+            </a:r>
+            <a:r>
+              <a:t>Y_L = \frac{1}{108}+ j \hspace{2mm} 2 \pi \cdot 2 \hspace{3mm} 10^9 \cdot 2\hspace{3mm}  10^{-12} </a:t>
+            </a:r>
+            <a:r>
+              <a:t/>
+            </a:r>
+          </a:p>
+          <a:p>
+            <a:pPr/>
+          </a:p>
+          <a:p>
+            <a:pPr/>
+            <a:r>
+              <a:t/>
+            </a:r>
+            <a:r>
+              <a:t>Y_L Z_o= \frac{1}{3}+ j  \hspace{2mm}  0.9</a:t>
+            </a:r>
+            <a:r>
+              <a:t/>
+            </a:r>
+          </a:p>
         </p:txBody>
       </p:sp>
       <p:sp>
@@ -5814,30 +5858,6 @@
           </a:p>
         </p:txBody>
       </p:sp>
-      <p:pic>
-        <p:nvPicPr>
-          <p:cNvPr id="4" name="Picture 3" descr="image.png"/>
-          <p:cNvPicPr>
-            <a:picLocks noChangeAspect="1"/>
-          </p:cNvPicPr>
-          <p:nvPr/>
-        </p:nvPicPr>
-        <p:blipFill>
-          <a:blip r:embed="rId2"/>
-          <a:stretch>
-            <a:fillRect/>
-          </a:stretch>
-        </p:blipFill>
-        <p:spPr>
-          <a:xfrm>
-            <a:off x="4786312" y="566928"/>
-            <a:ext cx="2619375" cy="809625"/>
-          </a:xfrm>
-          <a:prstGeom prst="rect">
-            <a:avLst/>
-          </a:prstGeom>
-        </p:spPr>
-      </p:pic>
     </p:spTree>
   </p:cSld>
   <p:clrMapOvr>
